--- a/上北智信前端框架.pptx
+++ b/上北智信前端框架.pptx
@@ -8,8 +8,8 @@
     <p:sldId id="256" r:id="rId2"/>
     <p:sldId id="258" r:id="rId3"/>
     <p:sldId id="259" r:id="rId4"/>
-    <p:sldId id="263" r:id="rId5"/>
-    <p:sldId id="260" r:id="rId6"/>
+    <p:sldId id="260" r:id="rId5"/>
+    <p:sldId id="263" r:id="rId6"/>
     <p:sldId id="261" r:id="rId7"/>
     <p:sldId id="262" r:id="rId8"/>
   </p:sldIdLst>
@@ -249,7 +249,7 @@
           <a:p>
             <a:fld id="{F1B40B94-A55C-4305-91DB-D1A1B559421A}" type="datetimeFigureOut">
               <a:rPr lang="zh-CN" altLang="en-US" smtClean="0"/>
-              <a:t>2017/8/31</a:t>
+              <a:t>2017/9/3</a:t>
             </a:fld>
             <a:endParaRPr lang="zh-CN" altLang="en-US"/>
           </a:p>
@@ -419,7 +419,7 @@
           <a:p>
             <a:fld id="{F1B40B94-A55C-4305-91DB-D1A1B559421A}" type="datetimeFigureOut">
               <a:rPr lang="zh-CN" altLang="en-US" smtClean="0"/>
-              <a:t>2017/8/31</a:t>
+              <a:t>2017/9/3</a:t>
             </a:fld>
             <a:endParaRPr lang="zh-CN" altLang="en-US"/>
           </a:p>
@@ -599,7 +599,7 @@
           <a:p>
             <a:fld id="{F1B40B94-A55C-4305-91DB-D1A1B559421A}" type="datetimeFigureOut">
               <a:rPr lang="zh-CN" altLang="en-US" smtClean="0"/>
-              <a:t>2017/8/31</a:t>
+              <a:t>2017/9/3</a:t>
             </a:fld>
             <a:endParaRPr lang="zh-CN" altLang="en-US"/>
           </a:p>
@@ -769,7 +769,7 @@
           <a:p>
             <a:fld id="{F1B40B94-A55C-4305-91DB-D1A1B559421A}" type="datetimeFigureOut">
               <a:rPr lang="zh-CN" altLang="en-US" smtClean="0"/>
-              <a:t>2017/8/31</a:t>
+              <a:t>2017/9/3</a:t>
             </a:fld>
             <a:endParaRPr lang="zh-CN" altLang="en-US"/>
           </a:p>
@@ -1015,7 +1015,7 @@
           <a:p>
             <a:fld id="{F1B40B94-A55C-4305-91DB-D1A1B559421A}" type="datetimeFigureOut">
               <a:rPr lang="zh-CN" altLang="en-US" smtClean="0"/>
-              <a:t>2017/8/31</a:t>
+              <a:t>2017/9/3</a:t>
             </a:fld>
             <a:endParaRPr lang="zh-CN" altLang="en-US"/>
           </a:p>
@@ -1247,7 +1247,7 @@
           <a:p>
             <a:fld id="{F1B40B94-A55C-4305-91DB-D1A1B559421A}" type="datetimeFigureOut">
               <a:rPr lang="zh-CN" altLang="en-US" smtClean="0"/>
-              <a:t>2017/8/31</a:t>
+              <a:t>2017/9/3</a:t>
             </a:fld>
             <a:endParaRPr lang="zh-CN" altLang="en-US"/>
           </a:p>
@@ -1614,7 +1614,7 @@
           <a:p>
             <a:fld id="{F1B40B94-A55C-4305-91DB-D1A1B559421A}" type="datetimeFigureOut">
               <a:rPr lang="zh-CN" altLang="en-US" smtClean="0"/>
-              <a:t>2017/8/31</a:t>
+              <a:t>2017/9/3</a:t>
             </a:fld>
             <a:endParaRPr lang="zh-CN" altLang="en-US"/>
           </a:p>
@@ -1732,7 +1732,7 @@
           <a:p>
             <a:fld id="{F1B40B94-A55C-4305-91DB-D1A1B559421A}" type="datetimeFigureOut">
               <a:rPr lang="zh-CN" altLang="en-US" smtClean="0"/>
-              <a:t>2017/8/31</a:t>
+              <a:t>2017/9/3</a:t>
             </a:fld>
             <a:endParaRPr lang="zh-CN" altLang="en-US"/>
           </a:p>
@@ -1827,7 +1827,7 @@
           <a:p>
             <a:fld id="{F1B40B94-A55C-4305-91DB-D1A1B559421A}" type="datetimeFigureOut">
               <a:rPr lang="zh-CN" altLang="en-US" smtClean="0"/>
-              <a:t>2017/8/31</a:t>
+              <a:t>2017/9/3</a:t>
             </a:fld>
             <a:endParaRPr lang="zh-CN" altLang="en-US"/>
           </a:p>
@@ -2104,7 +2104,7 @@
           <a:p>
             <a:fld id="{F1B40B94-A55C-4305-91DB-D1A1B559421A}" type="datetimeFigureOut">
               <a:rPr lang="zh-CN" altLang="en-US" smtClean="0"/>
-              <a:t>2017/8/31</a:t>
+              <a:t>2017/9/3</a:t>
             </a:fld>
             <a:endParaRPr lang="zh-CN" altLang="en-US"/>
           </a:p>
@@ -2357,7 +2357,7 @@
           <a:p>
             <a:fld id="{F1B40B94-A55C-4305-91DB-D1A1B559421A}" type="datetimeFigureOut">
               <a:rPr lang="zh-CN" altLang="en-US" smtClean="0"/>
-              <a:t>2017/8/31</a:t>
+              <a:t>2017/9/3</a:t>
             </a:fld>
             <a:endParaRPr lang="zh-CN" altLang="en-US"/>
           </a:p>
@@ -2570,7 +2570,7 @@
           <a:p>
             <a:fld id="{F1B40B94-A55C-4305-91DB-D1A1B559421A}" type="datetimeFigureOut">
               <a:rPr lang="zh-CN" altLang="en-US" smtClean="0"/>
-              <a:t>2017/8/31</a:t>
+              <a:t>2017/9/3</a:t>
             </a:fld>
             <a:endParaRPr lang="zh-CN" altLang="en-US"/>
           </a:p>
@@ -2994,7 +2994,6 @@
               <a:rPr lang="zh-CN" altLang="en-US" dirty="0"/>
               <a:t>上北智信前端框架</a:t>
             </a:r>
-            <a:endParaRPr lang="zh-CN" altLang="en-US" dirty="0"/>
           </a:p>
         </p:txBody>
       </p:sp>
@@ -3509,13 +3508,8 @@
               </a:pPr>
               <a:r>
                 <a:rPr lang="en-US" altLang="zh-CN" sz="1600" kern="1200" dirty="0" smtClean="0"/>
-                <a:t>React Grid </a:t>
-              </a:r>
-              <a:r>
-                <a:rPr lang="en-US" altLang="zh-CN" sz="1600" kern="1200" dirty="0" smtClean="0"/>
-                <a:t>Layout|Botstrap|H5</a:t>
-              </a:r>
-              <a:endParaRPr lang="en-US" altLang="zh-CN" sz="1600" kern="1200" dirty="0" smtClean="0"/>
+                <a:t>React Grid Layout|Botstrap|H5</a:t>
+              </a:r>
             </a:p>
             <a:p>
               <a:pPr lvl="0" algn="ctr" defTabSz="977900">
@@ -4688,11 +4682,7 @@
               </a:r>
               <a:r>
                 <a:rPr lang="en-US" altLang="zh-CN" sz="1600" kern="1200" smtClean="0"/>
-                <a:t>Grid </a:t>
-              </a:r>
-              <a:r>
-                <a:rPr lang="en-US" altLang="zh-CN" sz="1600" kern="1200" smtClean="0"/>
-                <a:t>Layout|Botstrap|H5</a:t>
+                <a:t>Grid Layout|Botstrap|H5</a:t>
               </a:r>
               <a:endParaRPr lang="en-US" altLang="zh-CN" sz="1600" kern="1200" dirty="0" smtClean="0"/>
             </a:p>
@@ -5414,6 +5404,13 @@
   <p:clrMapOvr>
     <a:masterClrMapping/>
   </p:clrMapOvr>
+  <p:timing>
+    <p:tnLst>
+      <p:par>
+        <p:cTn id="1" dur="indefinite" restart="never" nodeType="tmRoot"/>
+      </p:par>
+    </p:tnLst>
+  </p:timing>
 </p:sld>
 </file>
 
@@ -5436,6 +5433,56 @@
       </p:grpSpPr>
       <p:sp>
         <p:nvSpPr>
+          <p:cNvPr id="58" name="矩形 57"/>
+          <p:cNvSpPr/>
+          <p:nvPr/>
+        </p:nvSpPr>
+        <p:spPr>
+          <a:xfrm>
+            <a:off x="225534" y="3574283"/>
+            <a:ext cx="3307687" cy="1738220"/>
+          </a:xfrm>
+          <a:prstGeom prst="rect">
+            <a:avLst/>
+          </a:prstGeom>
+          <a:noFill/>
+          <a:ln w="38100">
+            <a:solidFill>
+              <a:schemeClr val="accent6">
+                <a:lumMod val="60000"/>
+                <a:lumOff val="40000"/>
+              </a:schemeClr>
+            </a:solidFill>
+            <a:prstDash val="sysDash"/>
+          </a:ln>
+        </p:spPr>
+        <p:style>
+          <a:lnRef idx="2">
+            <a:schemeClr val="accent1">
+              <a:shade val="50000"/>
+            </a:schemeClr>
+          </a:lnRef>
+          <a:fillRef idx="1">
+            <a:schemeClr val="accent1"/>
+          </a:fillRef>
+          <a:effectRef idx="0">
+            <a:schemeClr val="accent1"/>
+          </a:effectRef>
+          <a:fontRef idx="minor">
+            <a:schemeClr val="lt1"/>
+          </a:fontRef>
+        </p:style>
+        <p:txBody>
+          <a:bodyPr rtlCol="0" anchor="ctr"/>
+          <a:lstStyle/>
+          <a:p>
+            <a:pPr algn="ctr"/>
+            <a:endParaRPr lang="zh-CN" altLang="en-US"/>
+          </a:p>
+        </p:txBody>
+      </p:sp>
+      <p:sp>
+        <p:nvSpPr>
           <p:cNvPr id="4" name="标题 1"/>
           <p:cNvSpPr txBox="1">
             <a:spLocks/>
@@ -5444,7 +5491,7 @@
         </p:nvSpPr>
         <p:spPr>
           <a:xfrm>
-            <a:off x="313509" y="198631"/>
+            <a:off x="7544" y="12338"/>
             <a:ext cx="4206240" cy="931817"/>
           </a:xfrm>
           <a:prstGeom prst="rect">
@@ -5476,23 +5523,2209 @@
           </a:lstStyle>
           <a:p>
             <a:r>
-              <a:rPr lang="zh-CN" altLang="en-US" dirty="0" smtClean="0"/>
-              <a:t>持续集成</a:t>
+              <a:rPr lang="zh-CN" altLang="en-US" dirty="0"/>
+              <a:t>前后端分离</a:t>
             </a:r>
-            <a:endParaRPr lang="en-US" altLang="zh-CN" dirty="0" smtClean="0"/>
           </a:p>
         </p:txBody>
       </p:sp>
+      <p:grpSp>
+        <p:nvGrpSpPr>
+          <p:cNvPr id="11" name="组合 10"/>
+          <p:cNvGrpSpPr>
+            <a:grpSpLocks/>
+          </p:cNvGrpSpPr>
+          <p:nvPr/>
+        </p:nvGrpSpPr>
+        <p:grpSpPr>
+          <a:xfrm>
+            <a:off x="6747071" y="5354425"/>
+            <a:ext cx="5160225" cy="561395"/>
+            <a:chOff x="3802" y="3458003"/>
+            <a:chExt cx="3976687" cy="1501024"/>
+          </a:xfrm>
+        </p:grpSpPr>
+        <p:sp>
+          <p:nvSpPr>
+            <p:cNvPr id="12" name="圆角矩形 11"/>
+            <p:cNvSpPr/>
+            <p:nvPr/>
+          </p:nvSpPr>
+          <p:spPr>
+            <a:xfrm>
+              <a:off x="3802" y="3458003"/>
+              <a:ext cx="3976687" cy="1501024"/>
+            </a:xfrm>
+            <a:prstGeom prst="roundRect">
+              <a:avLst>
+                <a:gd name="adj" fmla="val 10000"/>
+              </a:avLst>
+            </a:prstGeom>
+          </p:spPr>
+          <p:style>
+            <a:lnRef idx="2">
+              <a:schemeClr val="lt1">
+                <a:hueOff val="0"/>
+                <a:satOff val="0"/>
+                <a:lumOff val="0"/>
+                <a:alphaOff val="0"/>
+              </a:schemeClr>
+            </a:lnRef>
+            <a:fillRef idx="1">
+              <a:schemeClr val="accent1">
+                <a:hueOff val="0"/>
+                <a:satOff val="0"/>
+                <a:lumOff val="0"/>
+                <a:alphaOff val="0"/>
+              </a:schemeClr>
+            </a:fillRef>
+            <a:effectRef idx="0">
+              <a:schemeClr val="accent1">
+                <a:hueOff val="0"/>
+                <a:satOff val="0"/>
+                <a:lumOff val="0"/>
+                <a:alphaOff val="0"/>
+              </a:schemeClr>
+            </a:effectRef>
+            <a:fontRef idx="minor">
+              <a:schemeClr val="lt1"/>
+            </a:fontRef>
+          </p:style>
+        </p:sp>
+        <p:sp>
+          <p:nvSpPr>
+            <p:cNvPr id="13" name="圆角矩形 4"/>
+            <p:cNvSpPr/>
+            <p:nvPr/>
+          </p:nvSpPr>
+          <p:spPr>
+            <a:xfrm>
+              <a:off x="47765" y="3714768"/>
+              <a:ext cx="3888761" cy="987498"/>
+            </a:xfrm>
+            <a:prstGeom prst="rect">
+              <a:avLst/>
+            </a:prstGeom>
+          </p:spPr>
+          <p:style>
+            <a:lnRef idx="0">
+              <a:scrgbClr r="0" g="0" b="0"/>
+            </a:lnRef>
+            <a:fillRef idx="0">
+              <a:scrgbClr r="0" g="0" b="0"/>
+            </a:fillRef>
+            <a:effectRef idx="0">
+              <a:scrgbClr r="0" g="0" b="0"/>
+            </a:effectRef>
+            <a:fontRef idx="minor">
+              <a:schemeClr val="lt1"/>
+            </a:fontRef>
+          </p:style>
+          <p:txBody>
+            <a:bodyPr spcFirstLastPara="0" vert="horz" wrap="square" lIns="0" tIns="60960" rIns="60960" bIns="60960" numCol="1" spcCol="1270" anchor="ctr" anchorCtr="0">
+              <a:noAutofit/>
+            </a:bodyPr>
+            <a:lstStyle/>
+            <a:p>
+              <a:pPr algn="ctr"/>
+              <a:r>
+                <a:rPr lang="en-US" altLang="zh-CN" sz="1600" dirty="0" smtClean="0"/>
+                <a:t>.NET Core 2.0</a:t>
+              </a:r>
+            </a:p>
+          </p:txBody>
+        </p:sp>
+      </p:grpSp>
+      <p:grpSp>
+        <p:nvGrpSpPr>
+          <p:cNvPr id="14" name="组合 13"/>
+          <p:cNvGrpSpPr>
+            <a:grpSpLocks/>
+          </p:cNvGrpSpPr>
+          <p:nvPr/>
+        </p:nvGrpSpPr>
+        <p:grpSpPr>
+          <a:xfrm>
+            <a:off x="6761352" y="4652180"/>
+            <a:ext cx="1083958" cy="615553"/>
+            <a:chOff x="3802" y="3385603"/>
+            <a:chExt cx="3976687" cy="1645828"/>
+          </a:xfrm>
+        </p:grpSpPr>
+        <p:sp>
+          <p:nvSpPr>
+            <p:cNvPr id="15" name="圆角矩形 14"/>
+            <p:cNvSpPr/>
+            <p:nvPr/>
+          </p:nvSpPr>
+          <p:spPr>
+            <a:xfrm>
+              <a:off x="3802" y="3458003"/>
+              <a:ext cx="3976687" cy="1501024"/>
+            </a:xfrm>
+            <a:prstGeom prst="roundRect">
+              <a:avLst>
+                <a:gd name="adj" fmla="val 10000"/>
+              </a:avLst>
+            </a:prstGeom>
+          </p:spPr>
+          <p:style>
+            <a:lnRef idx="2">
+              <a:schemeClr val="lt1">
+                <a:hueOff val="0"/>
+                <a:satOff val="0"/>
+                <a:lumOff val="0"/>
+                <a:alphaOff val="0"/>
+              </a:schemeClr>
+            </a:lnRef>
+            <a:fillRef idx="1">
+              <a:schemeClr val="accent1">
+                <a:hueOff val="0"/>
+                <a:satOff val="0"/>
+                <a:lumOff val="0"/>
+                <a:alphaOff val="0"/>
+              </a:schemeClr>
+            </a:fillRef>
+            <a:effectRef idx="0">
+              <a:schemeClr val="accent1">
+                <a:hueOff val="0"/>
+                <a:satOff val="0"/>
+                <a:lumOff val="0"/>
+                <a:alphaOff val="0"/>
+              </a:schemeClr>
+            </a:effectRef>
+            <a:fontRef idx="minor">
+              <a:schemeClr val="lt1"/>
+            </a:fontRef>
+          </p:style>
+        </p:sp>
+        <p:sp>
+          <p:nvSpPr>
+            <p:cNvPr id="16" name="圆角矩形 4"/>
+            <p:cNvSpPr/>
+            <p:nvPr/>
+          </p:nvSpPr>
+          <p:spPr>
+            <a:xfrm>
+              <a:off x="47764" y="3385603"/>
+              <a:ext cx="3888760" cy="1645828"/>
+            </a:xfrm>
+            <a:prstGeom prst="rect">
+              <a:avLst/>
+            </a:prstGeom>
+          </p:spPr>
+          <p:style>
+            <a:lnRef idx="0">
+              <a:scrgbClr r="0" g="0" b="0"/>
+            </a:lnRef>
+            <a:fillRef idx="0">
+              <a:scrgbClr r="0" g="0" b="0"/>
+            </a:fillRef>
+            <a:effectRef idx="0">
+              <a:scrgbClr r="0" g="0" b="0"/>
+            </a:effectRef>
+            <a:fontRef idx="minor">
+              <a:schemeClr val="lt1"/>
+            </a:fontRef>
+          </p:style>
+          <p:txBody>
+            <a:bodyPr spcFirstLastPara="0" vert="horz" wrap="square" lIns="0" tIns="60960" rIns="60960" bIns="60960" numCol="1" spcCol="1270" anchor="ctr" anchorCtr="0">
+              <a:noAutofit/>
+            </a:bodyPr>
+            <a:lstStyle/>
+            <a:p>
+              <a:pPr algn="ctr"/>
+              <a:r>
+                <a:rPr lang="en-US" altLang="zh-CN" sz="1600" dirty="0" smtClean="0"/>
+                <a:t>Entity Framework</a:t>
+              </a:r>
+            </a:p>
+          </p:txBody>
+        </p:sp>
+      </p:grpSp>
+      <p:grpSp>
+        <p:nvGrpSpPr>
+          <p:cNvPr id="17" name="组合 16"/>
+          <p:cNvGrpSpPr/>
+          <p:nvPr/>
+        </p:nvGrpSpPr>
+        <p:grpSpPr>
+          <a:xfrm>
+            <a:off x="9157190" y="4033584"/>
+            <a:ext cx="1083958" cy="1207069"/>
+            <a:chOff x="3802" y="3458003"/>
+            <a:chExt cx="3976687" cy="1501024"/>
+          </a:xfrm>
+        </p:grpSpPr>
+        <p:sp>
+          <p:nvSpPr>
+            <p:cNvPr id="18" name="圆角矩形 17"/>
+            <p:cNvSpPr/>
+            <p:nvPr/>
+          </p:nvSpPr>
+          <p:spPr>
+            <a:xfrm>
+              <a:off x="3802" y="3458003"/>
+              <a:ext cx="3976687" cy="1501024"/>
+            </a:xfrm>
+            <a:prstGeom prst="roundRect">
+              <a:avLst>
+                <a:gd name="adj" fmla="val 10000"/>
+              </a:avLst>
+            </a:prstGeom>
+          </p:spPr>
+          <p:style>
+            <a:lnRef idx="2">
+              <a:schemeClr val="lt1">
+                <a:hueOff val="0"/>
+                <a:satOff val="0"/>
+                <a:lumOff val="0"/>
+                <a:alphaOff val="0"/>
+              </a:schemeClr>
+            </a:lnRef>
+            <a:fillRef idx="1">
+              <a:schemeClr val="accent1">
+                <a:hueOff val="0"/>
+                <a:satOff val="0"/>
+                <a:lumOff val="0"/>
+                <a:alphaOff val="0"/>
+              </a:schemeClr>
+            </a:fillRef>
+            <a:effectRef idx="0">
+              <a:schemeClr val="accent1">
+                <a:hueOff val="0"/>
+                <a:satOff val="0"/>
+                <a:lumOff val="0"/>
+                <a:alphaOff val="0"/>
+              </a:schemeClr>
+            </a:effectRef>
+            <a:fontRef idx="minor">
+              <a:schemeClr val="lt1"/>
+            </a:fontRef>
+          </p:style>
+        </p:sp>
+        <p:sp>
+          <p:nvSpPr>
+            <p:cNvPr id="19" name="圆角矩形 4"/>
+            <p:cNvSpPr/>
+            <p:nvPr/>
+          </p:nvSpPr>
+          <p:spPr>
+            <a:xfrm>
+              <a:off x="47765" y="3501966"/>
+              <a:ext cx="3888761" cy="1413098"/>
+            </a:xfrm>
+            <a:prstGeom prst="rect">
+              <a:avLst/>
+            </a:prstGeom>
+          </p:spPr>
+          <p:style>
+            <a:lnRef idx="0">
+              <a:scrgbClr r="0" g="0" b="0"/>
+            </a:lnRef>
+            <a:fillRef idx="0">
+              <a:scrgbClr r="0" g="0" b="0"/>
+            </a:fillRef>
+            <a:effectRef idx="0">
+              <a:scrgbClr r="0" g="0" b="0"/>
+            </a:effectRef>
+            <a:fontRef idx="minor">
+              <a:schemeClr val="lt1"/>
+            </a:fontRef>
+          </p:style>
+          <p:txBody>
+            <a:bodyPr spcFirstLastPara="0" vert="horz" wrap="square" lIns="60960" tIns="60960" rIns="60960" bIns="60960" numCol="1" spcCol="1270" anchor="ctr" anchorCtr="0">
+              <a:noAutofit/>
+            </a:bodyPr>
+            <a:lstStyle/>
+            <a:p>
+              <a:pPr algn="ctr"/>
+              <a:r>
+                <a:rPr lang="en-US" altLang="zh-CN" sz="1600" dirty="0" smtClean="0"/>
+                <a:t>Service Manager</a:t>
+              </a:r>
+            </a:p>
+          </p:txBody>
+        </p:sp>
+      </p:grpSp>
+      <p:grpSp>
+        <p:nvGrpSpPr>
+          <p:cNvPr id="23" name="组合 22"/>
+          <p:cNvGrpSpPr/>
+          <p:nvPr/>
+        </p:nvGrpSpPr>
+        <p:grpSpPr>
+          <a:xfrm>
+            <a:off x="7931080" y="4670192"/>
+            <a:ext cx="1083958" cy="570461"/>
+            <a:chOff x="3802" y="3458003"/>
+            <a:chExt cx="3976687" cy="1501024"/>
+          </a:xfrm>
+        </p:grpSpPr>
+        <p:sp>
+          <p:nvSpPr>
+            <p:cNvPr id="24" name="圆角矩形 23"/>
+            <p:cNvSpPr/>
+            <p:nvPr/>
+          </p:nvSpPr>
+          <p:spPr>
+            <a:xfrm>
+              <a:off x="3802" y="3458003"/>
+              <a:ext cx="3976687" cy="1501024"/>
+            </a:xfrm>
+            <a:prstGeom prst="roundRect">
+              <a:avLst>
+                <a:gd name="adj" fmla="val 10000"/>
+              </a:avLst>
+            </a:prstGeom>
+          </p:spPr>
+          <p:style>
+            <a:lnRef idx="2">
+              <a:schemeClr val="lt1">
+                <a:hueOff val="0"/>
+                <a:satOff val="0"/>
+                <a:lumOff val="0"/>
+                <a:alphaOff val="0"/>
+              </a:schemeClr>
+            </a:lnRef>
+            <a:fillRef idx="1">
+              <a:schemeClr val="accent1">
+                <a:hueOff val="0"/>
+                <a:satOff val="0"/>
+                <a:lumOff val="0"/>
+                <a:alphaOff val="0"/>
+              </a:schemeClr>
+            </a:fillRef>
+            <a:effectRef idx="0">
+              <a:schemeClr val="accent1">
+                <a:hueOff val="0"/>
+                <a:satOff val="0"/>
+                <a:lumOff val="0"/>
+                <a:alphaOff val="0"/>
+              </a:schemeClr>
+            </a:effectRef>
+            <a:fontRef idx="minor">
+              <a:schemeClr val="lt1"/>
+            </a:fontRef>
+          </p:style>
+        </p:sp>
+        <p:sp>
+          <p:nvSpPr>
+            <p:cNvPr id="25" name="圆角矩形 4"/>
+            <p:cNvSpPr/>
+            <p:nvPr/>
+          </p:nvSpPr>
+          <p:spPr>
+            <a:xfrm>
+              <a:off x="47765" y="3501966"/>
+              <a:ext cx="3888761" cy="1413098"/>
+            </a:xfrm>
+            <a:prstGeom prst="rect">
+              <a:avLst/>
+            </a:prstGeom>
+          </p:spPr>
+          <p:style>
+            <a:lnRef idx="0">
+              <a:scrgbClr r="0" g="0" b="0"/>
+            </a:lnRef>
+            <a:fillRef idx="0">
+              <a:scrgbClr r="0" g="0" b="0"/>
+            </a:fillRef>
+            <a:effectRef idx="0">
+              <a:scrgbClr r="0" g="0" b="0"/>
+            </a:effectRef>
+            <a:fontRef idx="minor">
+              <a:schemeClr val="lt1"/>
+            </a:fontRef>
+          </p:style>
+          <p:txBody>
+            <a:bodyPr spcFirstLastPara="0" vert="horz" wrap="square" lIns="60960" tIns="60960" rIns="60960" bIns="60960" numCol="1" spcCol="1270" anchor="ctr" anchorCtr="0">
+              <a:noAutofit/>
+            </a:bodyPr>
+            <a:lstStyle/>
+            <a:p>
+              <a:pPr algn="ctr"/>
+              <a:r>
+                <a:rPr lang="en-US" altLang="zh-CN" sz="1600" dirty="0" smtClean="0"/>
+                <a:t>Dapper</a:t>
+              </a:r>
+            </a:p>
+          </p:txBody>
+        </p:sp>
+      </p:grpSp>
+      <p:grpSp>
+        <p:nvGrpSpPr>
+          <p:cNvPr id="26" name="组合 25"/>
+          <p:cNvGrpSpPr>
+            <a:grpSpLocks/>
+          </p:cNvGrpSpPr>
+          <p:nvPr/>
+        </p:nvGrpSpPr>
+        <p:grpSpPr>
+          <a:xfrm>
+            <a:off x="6761352" y="4067198"/>
+            <a:ext cx="2278880" cy="561395"/>
+            <a:chOff x="3802" y="3458003"/>
+            <a:chExt cx="3976687" cy="1501024"/>
+          </a:xfrm>
+        </p:grpSpPr>
+        <p:sp>
+          <p:nvSpPr>
+            <p:cNvPr id="27" name="圆角矩形 26"/>
+            <p:cNvSpPr/>
+            <p:nvPr/>
+          </p:nvSpPr>
+          <p:spPr>
+            <a:xfrm>
+              <a:off x="3802" y="3458003"/>
+              <a:ext cx="3976687" cy="1501024"/>
+            </a:xfrm>
+            <a:prstGeom prst="roundRect">
+              <a:avLst>
+                <a:gd name="adj" fmla="val 10000"/>
+              </a:avLst>
+            </a:prstGeom>
+          </p:spPr>
+          <p:style>
+            <a:lnRef idx="2">
+              <a:schemeClr val="lt1">
+                <a:hueOff val="0"/>
+                <a:satOff val="0"/>
+                <a:lumOff val="0"/>
+                <a:alphaOff val="0"/>
+              </a:schemeClr>
+            </a:lnRef>
+            <a:fillRef idx="1">
+              <a:schemeClr val="accent1">
+                <a:hueOff val="0"/>
+                <a:satOff val="0"/>
+                <a:lumOff val="0"/>
+                <a:alphaOff val="0"/>
+              </a:schemeClr>
+            </a:fillRef>
+            <a:effectRef idx="0">
+              <a:schemeClr val="accent1">
+                <a:hueOff val="0"/>
+                <a:satOff val="0"/>
+                <a:lumOff val="0"/>
+                <a:alphaOff val="0"/>
+              </a:schemeClr>
+            </a:effectRef>
+            <a:fontRef idx="minor">
+              <a:schemeClr val="lt1"/>
+            </a:fontRef>
+          </p:style>
+        </p:sp>
+        <p:sp>
+          <p:nvSpPr>
+            <p:cNvPr id="28" name="圆角矩形 4"/>
+            <p:cNvSpPr/>
+            <p:nvPr/>
+          </p:nvSpPr>
+          <p:spPr>
+            <a:xfrm>
+              <a:off x="47764" y="3714768"/>
+              <a:ext cx="3888761" cy="987498"/>
+            </a:xfrm>
+            <a:prstGeom prst="rect">
+              <a:avLst/>
+            </a:prstGeom>
+          </p:spPr>
+          <p:style>
+            <a:lnRef idx="0">
+              <a:scrgbClr r="0" g="0" b="0"/>
+            </a:lnRef>
+            <a:fillRef idx="0">
+              <a:scrgbClr r="0" g="0" b="0"/>
+            </a:fillRef>
+            <a:effectRef idx="0">
+              <a:scrgbClr r="0" g="0" b="0"/>
+            </a:effectRef>
+            <a:fontRef idx="minor">
+              <a:schemeClr val="lt1"/>
+            </a:fontRef>
+          </p:style>
+          <p:txBody>
+            <a:bodyPr spcFirstLastPara="0" vert="horz" wrap="square" lIns="0" tIns="60960" rIns="60960" bIns="60960" numCol="1" spcCol="1270" anchor="ctr" anchorCtr="0">
+              <a:noAutofit/>
+            </a:bodyPr>
+            <a:lstStyle/>
+            <a:p>
+              <a:pPr algn="ctr"/>
+              <a:r>
+                <a:rPr lang="en-US" altLang="zh-CN" sz="1600" dirty="0" smtClean="0"/>
+                <a:t>Driver</a:t>
+              </a:r>
+            </a:p>
+          </p:txBody>
+        </p:sp>
+      </p:grpSp>
+      <p:grpSp>
+        <p:nvGrpSpPr>
+          <p:cNvPr id="29" name="组合 28"/>
+          <p:cNvGrpSpPr>
+            <a:grpSpLocks/>
+          </p:cNvGrpSpPr>
+          <p:nvPr/>
+        </p:nvGrpSpPr>
+        <p:grpSpPr>
+          <a:xfrm>
+            <a:off x="6753758" y="3394949"/>
+            <a:ext cx="3485778" cy="561395"/>
+            <a:chOff x="3802" y="3458003"/>
+            <a:chExt cx="3976687" cy="1501024"/>
+          </a:xfrm>
+        </p:grpSpPr>
+        <p:sp>
+          <p:nvSpPr>
+            <p:cNvPr id="30" name="圆角矩形 29"/>
+            <p:cNvSpPr/>
+            <p:nvPr/>
+          </p:nvSpPr>
+          <p:spPr>
+            <a:xfrm>
+              <a:off x="3802" y="3458003"/>
+              <a:ext cx="3976687" cy="1501024"/>
+            </a:xfrm>
+            <a:prstGeom prst="roundRect">
+              <a:avLst>
+                <a:gd name="adj" fmla="val 10000"/>
+              </a:avLst>
+            </a:prstGeom>
+          </p:spPr>
+          <p:style>
+            <a:lnRef idx="2">
+              <a:schemeClr val="lt1">
+                <a:hueOff val="0"/>
+                <a:satOff val="0"/>
+                <a:lumOff val="0"/>
+                <a:alphaOff val="0"/>
+              </a:schemeClr>
+            </a:lnRef>
+            <a:fillRef idx="1">
+              <a:schemeClr val="accent1">
+                <a:hueOff val="0"/>
+                <a:satOff val="0"/>
+                <a:lumOff val="0"/>
+                <a:alphaOff val="0"/>
+              </a:schemeClr>
+            </a:fillRef>
+            <a:effectRef idx="0">
+              <a:schemeClr val="accent1">
+                <a:hueOff val="0"/>
+                <a:satOff val="0"/>
+                <a:lumOff val="0"/>
+                <a:alphaOff val="0"/>
+              </a:schemeClr>
+            </a:effectRef>
+            <a:fontRef idx="minor">
+              <a:schemeClr val="lt1"/>
+            </a:fontRef>
+          </p:style>
+        </p:sp>
+        <p:sp>
+          <p:nvSpPr>
+            <p:cNvPr id="31" name="圆角矩形 4"/>
+            <p:cNvSpPr/>
+            <p:nvPr/>
+          </p:nvSpPr>
+          <p:spPr>
+            <a:xfrm>
+              <a:off x="47765" y="3714768"/>
+              <a:ext cx="3888761" cy="987498"/>
+            </a:xfrm>
+            <a:prstGeom prst="rect">
+              <a:avLst/>
+            </a:prstGeom>
+          </p:spPr>
+          <p:style>
+            <a:lnRef idx="0">
+              <a:scrgbClr r="0" g="0" b="0"/>
+            </a:lnRef>
+            <a:fillRef idx="0">
+              <a:scrgbClr r="0" g="0" b="0"/>
+            </a:fillRef>
+            <a:effectRef idx="0">
+              <a:scrgbClr r="0" g="0" b="0"/>
+            </a:effectRef>
+            <a:fontRef idx="minor">
+              <a:schemeClr val="lt1"/>
+            </a:fontRef>
+          </p:style>
+          <p:txBody>
+            <a:bodyPr spcFirstLastPara="0" vert="horz" wrap="square" lIns="0" tIns="60960" rIns="60960" bIns="60960" numCol="1" spcCol="1270" anchor="ctr" anchorCtr="0">
+              <a:noAutofit/>
+            </a:bodyPr>
+            <a:lstStyle/>
+            <a:p>
+              <a:pPr algn="ctr"/>
+              <a:r>
+                <a:rPr lang="en-US" altLang="zh-CN" sz="1600" dirty="0" smtClean="0"/>
+                <a:t>Model</a:t>
+              </a:r>
+            </a:p>
+          </p:txBody>
+        </p:sp>
+      </p:grpSp>
+      <p:grpSp>
+        <p:nvGrpSpPr>
+          <p:cNvPr id="32" name="组合 31"/>
+          <p:cNvGrpSpPr/>
+          <p:nvPr/>
+        </p:nvGrpSpPr>
+        <p:grpSpPr>
+          <a:xfrm>
+            <a:off x="10383300" y="3390676"/>
+            <a:ext cx="1470657" cy="1849977"/>
+            <a:chOff x="3802" y="3458003"/>
+            <a:chExt cx="3976687" cy="1501024"/>
+          </a:xfrm>
+        </p:grpSpPr>
+        <p:sp>
+          <p:nvSpPr>
+            <p:cNvPr id="33" name="圆角矩形 32"/>
+            <p:cNvSpPr/>
+            <p:nvPr/>
+          </p:nvSpPr>
+          <p:spPr>
+            <a:xfrm>
+              <a:off x="3802" y="3458003"/>
+              <a:ext cx="3976687" cy="1501024"/>
+            </a:xfrm>
+            <a:prstGeom prst="roundRect">
+              <a:avLst>
+                <a:gd name="adj" fmla="val 10000"/>
+              </a:avLst>
+            </a:prstGeom>
+          </p:spPr>
+          <p:style>
+            <a:lnRef idx="2">
+              <a:schemeClr val="lt1">
+                <a:hueOff val="0"/>
+                <a:satOff val="0"/>
+                <a:lumOff val="0"/>
+                <a:alphaOff val="0"/>
+              </a:schemeClr>
+            </a:lnRef>
+            <a:fillRef idx="1">
+              <a:schemeClr val="accent1">
+                <a:hueOff val="0"/>
+                <a:satOff val="0"/>
+                <a:lumOff val="0"/>
+                <a:alphaOff val="0"/>
+              </a:schemeClr>
+            </a:fillRef>
+            <a:effectRef idx="0">
+              <a:schemeClr val="accent1">
+                <a:hueOff val="0"/>
+                <a:satOff val="0"/>
+                <a:lumOff val="0"/>
+                <a:alphaOff val="0"/>
+              </a:schemeClr>
+            </a:effectRef>
+            <a:fontRef idx="minor">
+              <a:schemeClr val="lt1"/>
+            </a:fontRef>
+          </p:style>
+        </p:sp>
+        <p:sp>
+          <p:nvSpPr>
+            <p:cNvPr id="34" name="圆角矩形 4"/>
+            <p:cNvSpPr/>
+            <p:nvPr/>
+          </p:nvSpPr>
+          <p:spPr>
+            <a:xfrm>
+              <a:off x="47765" y="3501966"/>
+              <a:ext cx="3888761" cy="1413098"/>
+            </a:xfrm>
+            <a:prstGeom prst="rect">
+              <a:avLst/>
+            </a:prstGeom>
+          </p:spPr>
+          <p:style>
+            <a:lnRef idx="0">
+              <a:scrgbClr r="0" g="0" b="0"/>
+            </a:lnRef>
+            <a:fillRef idx="0">
+              <a:scrgbClr r="0" g="0" b="0"/>
+            </a:fillRef>
+            <a:effectRef idx="0">
+              <a:scrgbClr r="0" g="0" b="0"/>
+            </a:effectRef>
+            <a:fontRef idx="minor">
+              <a:schemeClr val="lt1"/>
+            </a:fontRef>
+          </p:style>
+          <p:txBody>
+            <a:bodyPr spcFirstLastPara="0" vert="horz" wrap="square" lIns="60960" tIns="60960" rIns="60960" bIns="60960" numCol="1" spcCol="1270" anchor="ctr" anchorCtr="0">
+              <a:noAutofit/>
+            </a:bodyPr>
+            <a:lstStyle/>
+            <a:p>
+              <a:pPr algn="ctr"/>
+              <a:r>
+                <a:rPr lang="en-US" altLang="zh-CN" sz="1600" dirty="0" smtClean="0"/>
+                <a:t>Cache Manager</a:t>
+              </a:r>
+            </a:p>
+            <a:p>
+              <a:pPr algn="ctr"/>
+              <a:r>
+                <a:rPr lang="en-US" altLang="zh-CN" sz="1600" dirty="0" smtClean="0"/>
+                <a:t>Redis|.NET Memory Cache</a:t>
+              </a:r>
+              <a:endParaRPr lang="en-US" altLang="zh-CN" sz="1600" dirty="0" smtClean="0"/>
+            </a:p>
+          </p:txBody>
+        </p:sp>
+      </p:grpSp>
+      <p:grpSp>
+        <p:nvGrpSpPr>
+          <p:cNvPr id="38" name="组合 37"/>
+          <p:cNvGrpSpPr>
+            <a:grpSpLocks/>
+          </p:cNvGrpSpPr>
+          <p:nvPr/>
+        </p:nvGrpSpPr>
+        <p:grpSpPr>
+          <a:xfrm>
+            <a:off x="6755609" y="2722125"/>
+            <a:ext cx="5160225" cy="561395"/>
+            <a:chOff x="3802" y="3458003"/>
+            <a:chExt cx="3976687" cy="1501024"/>
+          </a:xfrm>
+        </p:grpSpPr>
+        <p:sp>
+          <p:nvSpPr>
+            <p:cNvPr id="39" name="圆角矩形 38"/>
+            <p:cNvSpPr/>
+            <p:nvPr/>
+          </p:nvSpPr>
+          <p:spPr>
+            <a:xfrm>
+              <a:off x="3802" y="3458003"/>
+              <a:ext cx="3976687" cy="1501024"/>
+            </a:xfrm>
+            <a:prstGeom prst="roundRect">
+              <a:avLst>
+                <a:gd name="adj" fmla="val 10000"/>
+              </a:avLst>
+            </a:prstGeom>
+          </p:spPr>
+          <p:style>
+            <a:lnRef idx="2">
+              <a:schemeClr val="lt1">
+                <a:hueOff val="0"/>
+                <a:satOff val="0"/>
+                <a:lumOff val="0"/>
+                <a:alphaOff val="0"/>
+              </a:schemeClr>
+            </a:lnRef>
+            <a:fillRef idx="1">
+              <a:schemeClr val="accent1">
+                <a:hueOff val="0"/>
+                <a:satOff val="0"/>
+                <a:lumOff val="0"/>
+                <a:alphaOff val="0"/>
+              </a:schemeClr>
+            </a:fillRef>
+            <a:effectRef idx="0">
+              <a:schemeClr val="accent1">
+                <a:hueOff val="0"/>
+                <a:satOff val="0"/>
+                <a:lumOff val="0"/>
+                <a:alphaOff val="0"/>
+              </a:schemeClr>
+            </a:effectRef>
+            <a:fontRef idx="minor">
+              <a:schemeClr val="lt1"/>
+            </a:fontRef>
+          </p:style>
+        </p:sp>
+        <p:sp>
+          <p:nvSpPr>
+            <p:cNvPr id="40" name="圆角矩形 4"/>
+            <p:cNvSpPr/>
+            <p:nvPr/>
+          </p:nvSpPr>
+          <p:spPr>
+            <a:xfrm>
+              <a:off x="47765" y="3714768"/>
+              <a:ext cx="3888761" cy="987498"/>
+            </a:xfrm>
+            <a:prstGeom prst="rect">
+              <a:avLst/>
+            </a:prstGeom>
+          </p:spPr>
+          <p:style>
+            <a:lnRef idx="0">
+              <a:scrgbClr r="0" g="0" b="0"/>
+            </a:lnRef>
+            <a:fillRef idx="0">
+              <a:scrgbClr r="0" g="0" b="0"/>
+            </a:fillRef>
+            <a:effectRef idx="0">
+              <a:scrgbClr r="0" g="0" b="0"/>
+            </a:effectRef>
+            <a:fontRef idx="minor">
+              <a:schemeClr val="lt1"/>
+            </a:fontRef>
+          </p:style>
+          <p:txBody>
+            <a:bodyPr spcFirstLastPara="0" vert="horz" wrap="square" lIns="0" tIns="60960" rIns="60960" bIns="60960" numCol="1" spcCol="1270" anchor="ctr" anchorCtr="0">
+              <a:noAutofit/>
+            </a:bodyPr>
+            <a:lstStyle/>
+            <a:p>
+              <a:pPr algn="ctr"/>
+              <a:r>
+                <a:rPr lang="en-US" altLang="zh-CN" sz="1600" dirty="0" smtClean="0"/>
+                <a:t>Business Layer</a:t>
+              </a:r>
+            </a:p>
+          </p:txBody>
+        </p:sp>
+      </p:grpSp>
+      <p:grpSp>
+        <p:nvGrpSpPr>
+          <p:cNvPr id="41" name="组合 40"/>
+          <p:cNvGrpSpPr>
+            <a:grpSpLocks/>
+          </p:cNvGrpSpPr>
+          <p:nvPr/>
+        </p:nvGrpSpPr>
+        <p:grpSpPr>
+          <a:xfrm>
+            <a:off x="6755610" y="2072048"/>
+            <a:ext cx="5160225" cy="561395"/>
+            <a:chOff x="3802" y="3458003"/>
+            <a:chExt cx="3976687" cy="1501024"/>
+          </a:xfrm>
+        </p:grpSpPr>
+        <p:sp>
+          <p:nvSpPr>
+            <p:cNvPr id="42" name="圆角矩形 41"/>
+            <p:cNvSpPr/>
+            <p:nvPr/>
+          </p:nvSpPr>
+          <p:spPr>
+            <a:xfrm>
+              <a:off x="3802" y="3458003"/>
+              <a:ext cx="3976687" cy="1501024"/>
+            </a:xfrm>
+            <a:prstGeom prst="roundRect">
+              <a:avLst>
+                <a:gd name="adj" fmla="val 10000"/>
+              </a:avLst>
+            </a:prstGeom>
+          </p:spPr>
+          <p:style>
+            <a:lnRef idx="2">
+              <a:schemeClr val="lt1">
+                <a:hueOff val="0"/>
+                <a:satOff val="0"/>
+                <a:lumOff val="0"/>
+                <a:alphaOff val="0"/>
+              </a:schemeClr>
+            </a:lnRef>
+            <a:fillRef idx="1">
+              <a:schemeClr val="accent1">
+                <a:hueOff val="0"/>
+                <a:satOff val="0"/>
+                <a:lumOff val="0"/>
+                <a:alphaOff val="0"/>
+              </a:schemeClr>
+            </a:fillRef>
+            <a:effectRef idx="0">
+              <a:schemeClr val="accent1">
+                <a:hueOff val="0"/>
+                <a:satOff val="0"/>
+                <a:lumOff val="0"/>
+                <a:alphaOff val="0"/>
+              </a:schemeClr>
+            </a:effectRef>
+            <a:fontRef idx="minor">
+              <a:schemeClr val="lt1"/>
+            </a:fontRef>
+          </p:style>
+        </p:sp>
+        <p:sp>
+          <p:nvSpPr>
+            <p:cNvPr id="43" name="圆角矩形 4"/>
+            <p:cNvSpPr/>
+            <p:nvPr/>
+          </p:nvSpPr>
+          <p:spPr>
+            <a:xfrm>
+              <a:off x="47765" y="3714768"/>
+              <a:ext cx="3888761" cy="987498"/>
+            </a:xfrm>
+            <a:prstGeom prst="rect">
+              <a:avLst/>
+            </a:prstGeom>
+          </p:spPr>
+          <p:style>
+            <a:lnRef idx="0">
+              <a:scrgbClr r="0" g="0" b="0"/>
+            </a:lnRef>
+            <a:fillRef idx="0">
+              <a:scrgbClr r="0" g="0" b="0"/>
+            </a:fillRef>
+            <a:effectRef idx="0">
+              <a:scrgbClr r="0" g="0" b="0"/>
+            </a:effectRef>
+            <a:fontRef idx="minor">
+              <a:schemeClr val="lt1"/>
+            </a:fontRef>
+          </p:style>
+          <p:txBody>
+            <a:bodyPr spcFirstLastPara="0" vert="horz" wrap="square" lIns="0" tIns="60960" rIns="60960" bIns="60960" numCol="1" spcCol="1270" anchor="ctr" anchorCtr="0">
+              <a:noAutofit/>
+            </a:bodyPr>
+            <a:lstStyle/>
+            <a:p>
+              <a:pPr algn="ctr"/>
+              <a:r>
+                <a:rPr lang="en-US" altLang="zh-CN" sz="1600" dirty="0" smtClean="0"/>
+                <a:t>Service Layer</a:t>
+              </a:r>
+            </a:p>
+          </p:txBody>
+        </p:sp>
+      </p:grpSp>
+      <p:grpSp>
+        <p:nvGrpSpPr>
+          <p:cNvPr id="44" name="组合 43"/>
+          <p:cNvGrpSpPr/>
+          <p:nvPr/>
+        </p:nvGrpSpPr>
+        <p:grpSpPr>
+          <a:xfrm>
+            <a:off x="5916256" y="1413903"/>
+            <a:ext cx="720000" cy="4484944"/>
+            <a:chOff x="3793" y="3458003"/>
+            <a:chExt cx="3976696" cy="1501024"/>
+          </a:xfrm>
+        </p:grpSpPr>
+        <p:sp>
+          <p:nvSpPr>
+            <p:cNvPr id="45" name="圆角矩形 44"/>
+            <p:cNvSpPr/>
+            <p:nvPr/>
+          </p:nvSpPr>
+          <p:spPr>
+            <a:xfrm>
+              <a:off x="3802" y="3458003"/>
+              <a:ext cx="3976687" cy="1501024"/>
+            </a:xfrm>
+            <a:prstGeom prst="roundRect">
+              <a:avLst>
+                <a:gd name="adj" fmla="val 10000"/>
+              </a:avLst>
+            </a:prstGeom>
+          </p:spPr>
+          <p:style>
+            <a:lnRef idx="2">
+              <a:schemeClr val="lt1">
+                <a:hueOff val="0"/>
+                <a:satOff val="0"/>
+                <a:lumOff val="0"/>
+                <a:alphaOff val="0"/>
+              </a:schemeClr>
+            </a:lnRef>
+            <a:fillRef idx="1">
+              <a:schemeClr val="accent1">
+                <a:hueOff val="0"/>
+                <a:satOff val="0"/>
+                <a:lumOff val="0"/>
+                <a:alphaOff val="0"/>
+              </a:schemeClr>
+            </a:fillRef>
+            <a:effectRef idx="0">
+              <a:schemeClr val="accent1">
+                <a:hueOff val="0"/>
+                <a:satOff val="0"/>
+                <a:lumOff val="0"/>
+                <a:alphaOff val="0"/>
+              </a:schemeClr>
+            </a:effectRef>
+            <a:fontRef idx="minor">
+              <a:schemeClr val="lt1"/>
+            </a:fontRef>
+          </p:style>
+        </p:sp>
+        <p:sp>
+          <p:nvSpPr>
+            <p:cNvPr id="46" name="圆角矩形 4"/>
+            <p:cNvSpPr/>
+            <p:nvPr/>
+          </p:nvSpPr>
+          <p:spPr>
+            <a:xfrm rot="5400000">
+              <a:off x="1241625" y="2220172"/>
+              <a:ext cx="1501023" cy="3976687"/>
+            </a:xfrm>
+            <a:prstGeom prst="rect">
+              <a:avLst/>
+            </a:prstGeom>
+          </p:spPr>
+          <p:style>
+            <a:lnRef idx="0">
+              <a:scrgbClr r="0" g="0" b="0"/>
+            </a:lnRef>
+            <a:fillRef idx="0">
+              <a:scrgbClr r="0" g="0" b="0"/>
+            </a:fillRef>
+            <a:effectRef idx="0">
+              <a:scrgbClr r="0" g="0" b="0"/>
+            </a:effectRef>
+            <a:fontRef idx="minor">
+              <a:schemeClr val="lt1"/>
+            </a:fontRef>
+          </p:style>
+          <p:txBody>
+            <a:bodyPr spcFirstLastPara="0" vert="horz" wrap="square" lIns="60960" tIns="60960" rIns="60960" bIns="60960" numCol="1" spcCol="1270" anchor="ctr" anchorCtr="0">
+              <a:noAutofit/>
+            </a:bodyPr>
+            <a:lstStyle/>
+            <a:p>
+              <a:pPr algn="ctr"/>
+              <a:r>
+                <a:rPr lang="en-US" altLang="zh-CN" sz="1600" dirty="0" smtClean="0"/>
+                <a:t>Logging</a:t>
+              </a:r>
+            </a:p>
+            <a:p>
+              <a:pPr algn="ctr"/>
+              <a:r>
+                <a:rPr lang="en-US" altLang="zh-CN" sz="1600" dirty="0" err="1" smtClean="0"/>
+                <a:t>NLog</a:t>
+              </a:r>
+              <a:endParaRPr lang="en-US" altLang="zh-CN" sz="1600" dirty="0" smtClean="0"/>
+            </a:p>
+          </p:txBody>
+        </p:sp>
+      </p:grpSp>
+      <p:grpSp>
+        <p:nvGrpSpPr>
+          <p:cNvPr id="47" name="组合 46"/>
+          <p:cNvGrpSpPr/>
+          <p:nvPr/>
+        </p:nvGrpSpPr>
+        <p:grpSpPr>
+          <a:xfrm>
+            <a:off x="4978458" y="1413903"/>
+            <a:ext cx="720000" cy="4454884"/>
+            <a:chOff x="3793" y="3458003"/>
+            <a:chExt cx="3976696" cy="1501024"/>
+          </a:xfrm>
+        </p:grpSpPr>
+        <p:sp>
+          <p:nvSpPr>
+            <p:cNvPr id="48" name="圆角矩形 47"/>
+            <p:cNvSpPr/>
+            <p:nvPr/>
+          </p:nvSpPr>
+          <p:spPr>
+            <a:xfrm>
+              <a:off x="3802" y="3458003"/>
+              <a:ext cx="3976687" cy="1501024"/>
+            </a:xfrm>
+            <a:prstGeom prst="roundRect">
+              <a:avLst>
+                <a:gd name="adj" fmla="val 10000"/>
+              </a:avLst>
+            </a:prstGeom>
+          </p:spPr>
+          <p:style>
+            <a:lnRef idx="2">
+              <a:schemeClr val="lt1">
+                <a:hueOff val="0"/>
+                <a:satOff val="0"/>
+                <a:lumOff val="0"/>
+                <a:alphaOff val="0"/>
+              </a:schemeClr>
+            </a:lnRef>
+            <a:fillRef idx="1">
+              <a:schemeClr val="accent1">
+                <a:hueOff val="0"/>
+                <a:satOff val="0"/>
+                <a:lumOff val="0"/>
+                <a:alphaOff val="0"/>
+              </a:schemeClr>
+            </a:fillRef>
+            <a:effectRef idx="0">
+              <a:schemeClr val="accent1">
+                <a:hueOff val="0"/>
+                <a:satOff val="0"/>
+                <a:lumOff val="0"/>
+                <a:alphaOff val="0"/>
+              </a:schemeClr>
+            </a:effectRef>
+            <a:fontRef idx="minor">
+              <a:schemeClr val="lt1"/>
+            </a:fontRef>
+          </p:style>
+        </p:sp>
+        <p:sp>
+          <p:nvSpPr>
+            <p:cNvPr id="49" name="圆角矩形 4"/>
+            <p:cNvSpPr/>
+            <p:nvPr/>
+          </p:nvSpPr>
+          <p:spPr>
+            <a:xfrm rot="5400000">
+              <a:off x="1241625" y="2220172"/>
+              <a:ext cx="1501023" cy="3976687"/>
+            </a:xfrm>
+            <a:prstGeom prst="rect">
+              <a:avLst/>
+            </a:prstGeom>
+          </p:spPr>
+          <p:style>
+            <a:lnRef idx="0">
+              <a:scrgbClr r="0" g="0" b="0"/>
+            </a:lnRef>
+            <a:fillRef idx="0">
+              <a:scrgbClr r="0" g="0" b="0"/>
+            </a:fillRef>
+            <a:effectRef idx="0">
+              <a:scrgbClr r="0" g="0" b="0"/>
+            </a:effectRef>
+            <a:fontRef idx="minor">
+              <a:schemeClr val="lt1"/>
+            </a:fontRef>
+          </p:style>
+          <p:txBody>
+            <a:bodyPr spcFirstLastPara="0" vert="horz" wrap="square" lIns="60960" tIns="60960" rIns="60960" bIns="60960" numCol="1" spcCol="1270" anchor="ctr" anchorCtr="0">
+              <a:noAutofit/>
+            </a:bodyPr>
+            <a:lstStyle/>
+            <a:p>
+              <a:pPr algn="ctr"/>
+              <a:r>
+                <a:rPr lang="en-US" altLang="zh-CN" sz="1600" dirty="0" smtClean="0"/>
+                <a:t>Performance Tracing</a:t>
+              </a:r>
+            </a:p>
+          </p:txBody>
+        </p:sp>
+      </p:grpSp>
+      <p:grpSp>
+        <p:nvGrpSpPr>
+          <p:cNvPr id="50" name="组合 49"/>
+          <p:cNvGrpSpPr/>
+          <p:nvPr/>
+        </p:nvGrpSpPr>
+        <p:grpSpPr>
+          <a:xfrm>
+            <a:off x="4040660" y="1413904"/>
+            <a:ext cx="720000" cy="4484622"/>
+            <a:chOff x="3793" y="3458003"/>
+            <a:chExt cx="3976696" cy="1501024"/>
+          </a:xfrm>
+        </p:grpSpPr>
+        <p:sp>
+          <p:nvSpPr>
+            <p:cNvPr id="51" name="圆角矩形 50"/>
+            <p:cNvSpPr/>
+            <p:nvPr/>
+          </p:nvSpPr>
+          <p:spPr>
+            <a:xfrm>
+              <a:off x="3802" y="3458003"/>
+              <a:ext cx="3976687" cy="1501024"/>
+            </a:xfrm>
+            <a:prstGeom prst="roundRect">
+              <a:avLst>
+                <a:gd name="adj" fmla="val 10000"/>
+              </a:avLst>
+            </a:prstGeom>
+          </p:spPr>
+          <p:style>
+            <a:lnRef idx="2">
+              <a:schemeClr val="lt1">
+                <a:hueOff val="0"/>
+                <a:satOff val="0"/>
+                <a:lumOff val="0"/>
+                <a:alphaOff val="0"/>
+              </a:schemeClr>
+            </a:lnRef>
+            <a:fillRef idx="1">
+              <a:schemeClr val="accent1">
+                <a:hueOff val="0"/>
+                <a:satOff val="0"/>
+                <a:lumOff val="0"/>
+                <a:alphaOff val="0"/>
+              </a:schemeClr>
+            </a:fillRef>
+            <a:effectRef idx="0">
+              <a:schemeClr val="accent1">
+                <a:hueOff val="0"/>
+                <a:satOff val="0"/>
+                <a:lumOff val="0"/>
+                <a:alphaOff val="0"/>
+              </a:schemeClr>
+            </a:effectRef>
+            <a:fontRef idx="minor">
+              <a:schemeClr val="lt1"/>
+            </a:fontRef>
+          </p:style>
+        </p:sp>
+        <p:sp>
+          <p:nvSpPr>
+            <p:cNvPr id="52" name="圆角矩形 4"/>
+            <p:cNvSpPr/>
+            <p:nvPr/>
+          </p:nvSpPr>
+          <p:spPr>
+            <a:xfrm rot="5400000">
+              <a:off x="1241625" y="2220172"/>
+              <a:ext cx="1501023" cy="3976687"/>
+            </a:xfrm>
+            <a:prstGeom prst="rect">
+              <a:avLst/>
+            </a:prstGeom>
+          </p:spPr>
+          <p:style>
+            <a:lnRef idx="0">
+              <a:scrgbClr r="0" g="0" b="0"/>
+            </a:lnRef>
+            <a:fillRef idx="0">
+              <a:scrgbClr r="0" g="0" b="0"/>
+            </a:fillRef>
+            <a:effectRef idx="0">
+              <a:scrgbClr r="0" g="0" b="0"/>
+            </a:effectRef>
+            <a:fontRef idx="minor">
+              <a:schemeClr val="lt1"/>
+            </a:fontRef>
+          </p:style>
+          <p:txBody>
+            <a:bodyPr spcFirstLastPara="0" vert="horz" wrap="square" lIns="60960" tIns="60960" rIns="60960" bIns="60960" numCol="1" spcCol="1270" anchor="ctr" anchorCtr="0">
+              <a:noAutofit/>
+            </a:bodyPr>
+            <a:lstStyle/>
+            <a:p>
+              <a:pPr algn="ctr"/>
+              <a:r>
+                <a:rPr lang="en-US" altLang="zh-CN" sz="1600" dirty="0" smtClean="0"/>
+                <a:t>Exception Handle</a:t>
+              </a:r>
+            </a:p>
+          </p:txBody>
+        </p:sp>
+      </p:grpSp>
+      <p:grpSp>
+        <p:nvGrpSpPr>
+          <p:cNvPr id="59" name="组合 58"/>
+          <p:cNvGrpSpPr/>
+          <p:nvPr/>
+        </p:nvGrpSpPr>
+        <p:grpSpPr>
+          <a:xfrm>
+            <a:off x="1111092" y="4596930"/>
+            <a:ext cx="2279991" cy="561395"/>
+            <a:chOff x="3802" y="3458003"/>
+            <a:chExt cx="3976687" cy="1501024"/>
+          </a:xfrm>
+        </p:grpSpPr>
+        <p:sp>
+          <p:nvSpPr>
+            <p:cNvPr id="60" name="圆角矩形 59"/>
+            <p:cNvSpPr/>
+            <p:nvPr/>
+          </p:nvSpPr>
+          <p:spPr>
+            <a:xfrm>
+              <a:off x="3802" y="3458003"/>
+              <a:ext cx="3976687" cy="1501024"/>
+            </a:xfrm>
+            <a:prstGeom prst="roundRect">
+              <a:avLst>
+                <a:gd name="adj" fmla="val 10000"/>
+              </a:avLst>
+            </a:prstGeom>
+          </p:spPr>
+          <p:style>
+            <a:lnRef idx="2">
+              <a:schemeClr val="lt1">
+                <a:hueOff val="0"/>
+                <a:satOff val="0"/>
+                <a:lumOff val="0"/>
+                <a:alphaOff val="0"/>
+              </a:schemeClr>
+            </a:lnRef>
+            <a:fillRef idx="1">
+              <a:schemeClr val="accent1">
+                <a:hueOff val="0"/>
+                <a:satOff val="0"/>
+                <a:lumOff val="0"/>
+                <a:alphaOff val="0"/>
+              </a:schemeClr>
+            </a:fillRef>
+            <a:effectRef idx="0">
+              <a:schemeClr val="accent1">
+                <a:hueOff val="0"/>
+                <a:satOff val="0"/>
+                <a:lumOff val="0"/>
+                <a:alphaOff val="0"/>
+              </a:schemeClr>
+            </a:effectRef>
+            <a:fontRef idx="minor">
+              <a:schemeClr val="lt1"/>
+            </a:fontRef>
+          </p:style>
+        </p:sp>
+        <p:sp>
+          <p:nvSpPr>
+            <p:cNvPr id="61" name="圆角矩形 4"/>
+            <p:cNvSpPr/>
+            <p:nvPr/>
+          </p:nvSpPr>
+          <p:spPr>
+            <a:xfrm>
+              <a:off x="47765" y="3501966"/>
+              <a:ext cx="3888761" cy="1413098"/>
+            </a:xfrm>
+            <a:prstGeom prst="rect">
+              <a:avLst/>
+            </a:prstGeom>
+          </p:spPr>
+          <p:style>
+            <a:lnRef idx="0">
+              <a:scrgbClr r="0" g="0" b="0"/>
+            </a:lnRef>
+            <a:fillRef idx="0">
+              <a:scrgbClr r="0" g="0" b="0"/>
+            </a:fillRef>
+            <a:effectRef idx="0">
+              <a:scrgbClr r="0" g="0" b="0"/>
+            </a:effectRef>
+            <a:fontRef idx="minor">
+              <a:schemeClr val="lt1"/>
+            </a:fontRef>
+          </p:style>
+          <p:txBody>
+            <a:bodyPr spcFirstLastPara="0" vert="horz" wrap="square" lIns="60960" tIns="60960" rIns="60960" bIns="60960" numCol="1" spcCol="1270" anchor="ctr" anchorCtr="0">
+              <a:noAutofit/>
+            </a:bodyPr>
+            <a:lstStyle/>
+            <a:p>
+              <a:pPr algn="ctr"/>
+              <a:r>
+                <a:rPr lang="en-US" altLang="zh-CN" sz="1600" dirty="0" smtClean="0"/>
+                <a:t>Authentication</a:t>
+              </a:r>
+            </a:p>
+            <a:p>
+              <a:pPr algn="ctr"/>
+              <a:r>
+                <a:rPr lang="en-US" altLang="zh-CN" sz="1600" dirty="0" smtClean="0"/>
+                <a:t>NTLM|SSO</a:t>
+              </a:r>
+              <a:endParaRPr lang="en-US" altLang="zh-CN" sz="1600" dirty="0" smtClean="0"/>
+            </a:p>
+          </p:txBody>
+        </p:sp>
+      </p:grpSp>
+      <p:grpSp>
+        <p:nvGrpSpPr>
+          <p:cNvPr id="62" name="组合 61"/>
+          <p:cNvGrpSpPr/>
+          <p:nvPr/>
+        </p:nvGrpSpPr>
+        <p:grpSpPr>
+          <a:xfrm>
+            <a:off x="1136298" y="3716538"/>
+            <a:ext cx="2279991" cy="561395"/>
+            <a:chOff x="3802" y="3458003"/>
+            <a:chExt cx="3976687" cy="1501024"/>
+          </a:xfrm>
+        </p:grpSpPr>
+        <p:sp>
+          <p:nvSpPr>
+            <p:cNvPr id="63" name="圆角矩形 62"/>
+            <p:cNvSpPr/>
+            <p:nvPr/>
+          </p:nvSpPr>
+          <p:spPr>
+            <a:xfrm>
+              <a:off x="3802" y="3458003"/>
+              <a:ext cx="3976687" cy="1501024"/>
+            </a:xfrm>
+            <a:prstGeom prst="roundRect">
+              <a:avLst>
+                <a:gd name="adj" fmla="val 10000"/>
+              </a:avLst>
+            </a:prstGeom>
+          </p:spPr>
+          <p:style>
+            <a:lnRef idx="2">
+              <a:schemeClr val="lt1">
+                <a:hueOff val="0"/>
+                <a:satOff val="0"/>
+                <a:lumOff val="0"/>
+                <a:alphaOff val="0"/>
+              </a:schemeClr>
+            </a:lnRef>
+            <a:fillRef idx="1">
+              <a:schemeClr val="accent1">
+                <a:hueOff val="0"/>
+                <a:satOff val="0"/>
+                <a:lumOff val="0"/>
+                <a:alphaOff val="0"/>
+              </a:schemeClr>
+            </a:fillRef>
+            <a:effectRef idx="0">
+              <a:schemeClr val="accent1">
+                <a:hueOff val="0"/>
+                <a:satOff val="0"/>
+                <a:lumOff val="0"/>
+                <a:alphaOff val="0"/>
+              </a:schemeClr>
+            </a:effectRef>
+            <a:fontRef idx="minor">
+              <a:schemeClr val="lt1"/>
+            </a:fontRef>
+          </p:style>
+        </p:sp>
+        <p:sp>
+          <p:nvSpPr>
+            <p:cNvPr id="64" name="圆角矩形 4"/>
+            <p:cNvSpPr/>
+            <p:nvPr/>
+          </p:nvSpPr>
+          <p:spPr>
+            <a:xfrm>
+              <a:off x="47765" y="3501966"/>
+              <a:ext cx="3888761" cy="1413098"/>
+            </a:xfrm>
+            <a:prstGeom prst="rect">
+              <a:avLst/>
+            </a:prstGeom>
+          </p:spPr>
+          <p:style>
+            <a:lnRef idx="0">
+              <a:scrgbClr r="0" g="0" b="0"/>
+            </a:lnRef>
+            <a:fillRef idx="0">
+              <a:scrgbClr r="0" g="0" b="0"/>
+            </a:fillRef>
+            <a:effectRef idx="0">
+              <a:scrgbClr r="0" g="0" b="0"/>
+            </a:effectRef>
+            <a:fontRef idx="minor">
+              <a:schemeClr val="lt1"/>
+            </a:fontRef>
+          </p:style>
+          <p:txBody>
+            <a:bodyPr spcFirstLastPara="0" vert="horz" wrap="square" lIns="60960" tIns="60960" rIns="60960" bIns="60960" numCol="1" spcCol="1270" anchor="ctr" anchorCtr="0">
+              <a:noAutofit/>
+            </a:bodyPr>
+            <a:lstStyle/>
+            <a:p>
+              <a:pPr algn="ctr"/>
+              <a:r>
+                <a:rPr lang="en-US" altLang="zh-CN" sz="1600" dirty="0" smtClean="0"/>
+                <a:t>Reverse Proxy</a:t>
+              </a:r>
+            </a:p>
+          </p:txBody>
+        </p:sp>
+      </p:grpSp>
+      <p:sp>
+        <p:nvSpPr>
+          <p:cNvPr id="65" name="矩形 64"/>
+          <p:cNvSpPr/>
+          <p:nvPr/>
+        </p:nvSpPr>
+        <p:spPr>
+          <a:xfrm>
+            <a:off x="3892731" y="1146757"/>
+            <a:ext cx="8194767" cy="4914409"/>
+          </a:xfrm>
+          <a:prstGeom prst="rect">
+            <a:avLst/>
+          </a:prstGeom>
+          <a:noFill/>
+          <a:ln w="38100">
+            <a:solidFill>
+              <a:schemeClr val="accent4">
+                <a:lumMod val="60000"/>
+                <a:lumOff val="40000"/>
+              </a:schemeClr>
+            </a:solidFill>
+            <a:prstDash val="sysDash"/>
+          </a:ln>
+        </p:spPr>
+        <p:style>
+          <a:lnRef idx="2">
+            <a:schemeClr val="accent1">
+              <a:shade val="50000"/>
+            </a:schemeClr>
+          </a:lnRef>
+          <a:fillRef idx="1">
+            <a:schemeClr val="accent1"/>
+          </a:fillRef>
+          <a:effectRef idx="0">
+            <a:schemeClr val="accent1"/>
+          </a:effectRef>
+          <a:fontRef idx="minor">
+            <a:schemeClr val="lt1"/>
+          </a:fontRef>
+        </p:style>
+        <p:txBody>
+          <a:bodyPr rtlCol="0" anchor="ctr"/>
+          <a:lstStyle/>
+          <a:p>
+            <a:pPr algn="ctr"/>
+            <a:endParaRPr lang="zh-CN" altLang="en-US"/>
+          </a:p>
+        </p:txBody>
+      </p:sp>
+      <p:grpSp>
+        <p:nvGrpSpPr>
+          <p:cNvPr id="66" name="组合 65"/>
+          <p:cNvGrpSpPr/>
+          <p:nvPr/>
+        </p:nvGrpSpPr>
+        <p:grpSpPr>
+          <a:xfrm>
+            <a:off x="330689" y="3732981"/>
+            <a:ext cx="720000" cy="1408902"/>
+            <a:chOff x="3793" y="3458003"/>
+            <a:chExt cx="3976696" cy="1501024"/>
+          </a:xfrm>
+        </p:grpSpPr>
+        <p:sp>
+          <p:nvSpPr>
+            <p:cNvPr id="67" name="圆角矩形 66"/>
+            <p:cNvSpPr/>
+            <p:nvPr/>
+          </p:nvSpPr>
+          <p:spPr>
+            <a:xfrm>
+              <a:off x="3802" y="3458003"/>
+              <a:ext cx="3976687" cy="1501024"/>
+            </a:xfrm>
+            <a:prstGeom prst="roundRect">
+              <a:avLst>
+                <a:gd name="adj" fmla="val 10000"/>
+              </a:avLst>
+            </a:prstGeom>
+          </p:spPr>
+          <p:style>
+            <a:lnRef idx="2">
+              <a:schemeClr val="lt1">
+                <a:hueOff val="0"/>
+                <a:satOff val="0"/>
+                <a:lumOff val="0"/>
+                <a:alphaOff val="0"/>
+              </a:schemeClr>
+            </a:lnRef>
+            <a:fillRef idx="1">
+              <a:schemeClr val="accent1">
+                <a:hueOff val="0"/>
+                <a:satOff val="0"/>
+                <a:lumOff val="0"/>
+                <a:alphaOff val="0"/>
+              </a:schemeClr>
+            </a:fillRef>
+            <a:effectRef idx="0">
+              <a:schemeClr val="accent1">
+                <a:hueOff val="0"/>
+                <a:satOff val="0"/>
+                <a:lumOff val="0"/>
+                <a:alphaOff val="0"/>
+              </a:schemeClr>
+            </a:effectRef>
+            <a:fontRef idx="minor">
+              <a:schemeClr val="lt1"/>
+            </a:fontRef>
+          </p:style>
+        </p:sp>
+        <p:sp>
+          <p:nvSpPr>
+            <p:cNvPr id="68" name="圆角矩形 4"/>
+            <p:cNvSpPr/>
+            <p:nvPr/>
+          </p:nvSpPr>
+          <p:spPr>
+            <a:xfrm rot="5400000">
+              <a:off x="1241625" y="2220172"/>
+              <a:ext cx="1501023" cy="3976687"/>
+            </a:xfrm>
+            <a:prstGeom prst="rect">
+              <a:avLst/>
+            </a:prstGeom>
+          </p:spPr>
+          <p:style>
+            <a:lnRef idx="0">
+              <a:scrgbClr r="0" g="0" b="0"/>
+            </a:lnRef>
+            <a:fillRef idx="0">
+              <a:scrgbClr r="0" g="0" b="0"/>
+            </a:fillRef>
+            <a:effectRef idx="0">
+              <a:scrgbClr r="0" g="0" b="0"/>
+            </a:effectRef>
+            <a:fontRef idx="minor">
+              <a:schemeClr val="lt1"/>
+            </a:fontRef>
+          </p:style>
+          <p:txBody>
+            <a:bodyPr spcFirstLastPara="0" vert="horz" wrap="square" lIns="60960" tIns="60960" rIns="60960" bIns="60960" numCol="1" spcCol="1270" anchor="ctr" anchorCtr="0">
+              <a:noAutofit/>
+            </a:bodyPr>
+            <a:lstStyle/>
+            <a:p>
+              <a:pPr algn="ctr"/>
+              <a:r>
+                <a:rPr lang="en-US" altLang="zh-CN" sz="1600" dirty="0" smtClean="0"/>
+                <a:t>Logging</a:t>
+              </a:r>
+            </a:p>
+            <a:p>
+              <a:pPr algn="ctr"/>
+              <a:r>
+                <a:rPr lang="en-US" altLang="zh-CN" sz="1600" dirty="0" err="1" smtClean="0"/>
+                <a:t>NLog</a:t>
+              </a:r>
+              <a:endParaRPr lang="en-US" altLang="zh-CN" sz="1600" dirty="0" smtClean="0"/>
+            </a:p>
+          </p:txBody>
+        </p:sp>
+      </p:grpSp>
+      <p:sp>
+        <p:nvSpPr>
+          <p:cNvPr id="69" name="右箭头 68"/>
+          <p:cNvSpPr/>
+          <p:nvPr/>
+        </p:nvSpPr>
+        <p:spPr>
+          <a:xfrm>
+            <a:off x="3541920" y="4162691"/>
+            <a:ext cx="368226" cy="384205"/>
+          </a:xfrm>
+          <a:prstGeom prst="rightArrow">
+            <a:avLst/>
+          </a:prstGeom>
+          <a:solidFill>
+            <a:srgbClr val="FFFF00"/>
+          </a:solidFill>
+        </p:spPr>
+        <p:style>
+          <a:lnRef idx="2">
+            <a:schemeClr val="accent1">
+              <a:shade val="50000"/>
+            </a:schemeClr>
+          </a:lnRef>
+          <a:fillRef idx="1">
+            <a:schemeClr val="accent1"/>
+          </a:fillRef>
+          <a:effectRef idx="0">
+            <a:schemeClr val="accent1"/>
+          </a:effectRef>
+          <a:fontRef idx="minor">
+            <a:schemeClr val="lt1"/>
+          </a:fontRef>
+        </p:style>
+        <p:txBody>
+          <a:bodyPr rtlCol="0" anchor="ctr"/>
+          <a:lstStyle/>
+          <a:p>
+            <a:pPr algn="ctr"/>
+            <a:endParaRPr lang="zh-CN" altLang="en-US"/>
+          </a:p>
+        </p:txBody>
+      </p:sp>
+      <p:grpSp>
+        <p:nvGrpSpPr>
+          <p:cNvPr id="70" name="组合 69"/>
+          <p:cNvGrpSpPr/>
+          <p:nvPr/>
+        </p:nvGrpSpPr>
+        <p:grpSpPr>
+          <a:xfrm>
+            <a:off x="330689" y="2063807"/>
+            <a:ext cx="3085599" cy="561395"/>
+            <a:chOff x="3802" y="3458003"/>
+            <a:chExt cx="3976687" cy="1501024"/>
+          </a:xfrm>
+        </p:grpSpPr>
+        <p:sp>
+          <p:nvSpPr>
+            <p:cNvPr id="71" name="圆角矩形 70"/>
+            <p:cNvSpPr/>
+            <p:nvPr/>
+          </p:nvSpPr>
+          <p:spPr>
+            <a:xfrm>
+              <a:off x="3802" y="3458003"/>
+              <a:ext cx="3976687" cy="1501024"/>
+            </a:xfrm>
+            <a:prstGeom prst="roundRect">
+              <a:avLst>
+                <a:gd name="adj" fmla="val 10000"/>
+              </a:avLst>
+            </a:prstGeom>
+          </p:spPr>
+          <p:style>
+            <a:lnRef idx="2">
+              <a:schemeClr val="lt1">
+                <a:hueOff val="0"/>
+                <a:satOff val="0"/>
+                <a:lumOff val="0"/>
+                <a:alphaOff val="0"/>
+              </a:schemeClr>
+            </a:lnRef>
+            <a:fillRef idx="1">
+              <a:schemeClr val="accent1">
+                <a:hueOff val="0"/>
+                <a:satOff val="0"/>
+                <a:lumOff val="0"/>
+                <a:alphaOff val="0"/>
+              </a:schemeClr>
+            </a:fillRef>
+            <a:effectRef idx="0">
+              <a:schemeClr val="accent1">
+                <a:hueOff val="0"/>
+                <a:satOff val="0"/>
+                <a:lumOff val="0"/>
+                <a:alphaOff val="0"/>
+              </a:schemeClr>
+            </a:effectRef>
+            <a:fontRef idx="minor">
+              <a:schemeClr val="lt1"/>
+            </a:fontRef>
+          </p:style>
+        </p:sp>
+        <p:sp>
+          <p:nvSpPr>
+            <p:cNvPr id="72" name="圆角矩形 4"/>
+            <p:cNvSpPr/>
+            <p:nvPr/>
+          </p:nvSpPr>
+          <p:spPr>
+            <a:xfrm>
+              <a:off x="47765" y="3501966"/>
+              <a:ext cx="3888761" cy="1413098"/>
+            </a:xfrm>
+            <a:prstGeom prst="rect">
+              <a:avLst/>
+            </a:prstGeom>
+          </p:spPr>
+          <p:style>
+            <a:lnRef idx="0">
+              <a:scrgbClr r="0" g="0" b="0"/>
+            </a:lnRef>
+            <a:fillRef idx="0">
+              <a:scrgbClr r="0" g="0" b="0"/>
+            </a:fillRef>
+            <a:effectRef idx="0">
+              <a:scrgbClr r="0" g="0" b="0"/>
+            </a:effectRef>
+            <a:fontRef idx="minor">
+              <a:schemeClr val="lt1"/>
+            </a:fontRef>
+          </p:style>
+          <p:txBody>
+            <a:bodyPr spcFirstLastPara="0" vert="horz" wrap="square" lIns="60960" tIns="60960" rIns="60960" bIns="60960" numCol="1" spcCol="1270" anchor="ctr" anchorCtr="0">
+              <a:noAutofit/>
+            </a:bodyPr>
+            <a:lstStyle/>
+            <a:p>
+              <a:pPr algn="ctr"/>
+              <a:r>
+                <a:rPr lang="en-US" altLang="zh-CN" sz="1600" dirty="0" err="1" smtClean="0"/>
+                <a:t>Javascript</a:t>
+              </a:r>
+              <a:endParaRPr lang="en-US" altLang="zh-CN" sz="1600" dirty="0"/>
+            </a:p>
+            <a:p>
+              <a:pPr algn="ctr"/>
+              <a:r>
+                <a:rPr lang="en-US" altLang="zh-CN" sz="1600" dirty="0" err="1"/>
+                <a:t>f</a:t>
+              </a:r>
+              <a:r>
+                <a:rPr lang="en-US" altLang="zh-CN" sz="1600" dirty="0" err="1" smtClean="0"/>
+                <a:t>etch|api</a:t>
+              </a:r>
+              <a:r>
+                <a:rPr lang="en-US" altLang="zh-CN" sz="1600" dirty="0" smtClean="0"/>
+                <a:t> gateway</a:t>
+              </a:r>
+              <a:endParaRPr lang="en-US" altLang="zh-CN" sz="1600" dirty="0" smtClean="0"/>
+            </a:p>
+          </p:txBody>
+        </p:sp>
+      </p:grpSp>
+      <p:grpSp>
+        <p:nvGrpSpPr>
+          <p:cNvPr id="76" name="组合 75"/>
+          <p:cNvGrpSpPr/>
+          <p:nvPr/>
+        </p:nvGrpSpPr>
+        <p:grpSpPr>
+          <a:xfrm>
+            <a:off x="317640" y="1316253"/>
+            <a:ext cx="3085599" cy="561395"/>
+            <a:chOff x="3802" y="3458003"/>
+            <a:chExt cx="3976687" cy="1501024"/>
+          </a:xfrm>
+        </p:grpSpPr>
+        <p:sp>
+          <p:nvSpPr>
+            <p:cNvPr id="77" name="圆角矩形 76"/>
+            <p:cNvSpPr/>
+            <p:nvPr/>
+          </p:nvSpPr>
+          <p:spPr>
+            <a:xfrm>
+              <a:off x="3802" y="3458003"/>
+              <a:ext cx="3976687" cy="1501024"/>
+            </a:xfrm>
+            <a:prstGeom prst="roundRect">
+              <a:avLst>
+                <a:gd name="adj" fmla="val 10000"/>
+              </a:avLst>
+            </a:prstGeom>
+          </p:spPr>
+          <p:style>
+            <a:lnRef idx="2">
+              <a:schemeClr val="lt1">
+                <a:hueOff val="0"/>
+                <a:satOff val="0"/>
+                <a:lumOff val="0"/>
+                <a:alphaOff val="0"/>
+              </a:schemeClr>
+            </a:lnRef>
+            <a:fillRef idx="1">
+              <a:schemeClr val="accent1">
+                <a:hueOff val="0"/>
+                <a:satOff val="0"/>
+                <a:lumOff val="0"/>
+                <a:alphaOff val="0"/>
+              </a:schemeClr>
+            </a:fillRef>
+            <a:effectRef idx="0">
+              <a:schemeClr val="accent1">
+                <a:hueOff val="0"/>
+                <a:satOff val="0"/>
+                <a:lumOff val="0"/>
+                <a:alphaOff val="0"/>
+              </a:schemeClr>
+            </a:effectRef>
+            <a:fontRef idx="minor">
+              <a:schemeClr val="lt1"/>
+            </a:fontRef>
+          </p:style>
+        </p:sp>
+        <p:sp>
+          <p:nvSpPr>
+            <p:cNvPr id="78" name="圆角矩形 4"/>
+            <p:cNvSpPr/>
+            <p:nvPr/>
+          </p:nvSpPr>
+          <p:spPr>
+            <a:xfrm>
+              <a:off x="47765" y="3501966"/>
+              <a:ext cx="3888761" cy="1413098"/>
+            </a:xfrm>
+            <a:prstGeom prst="rect">
+              <a:avLst/>
+            </a:prstGeom>
+          </p:spPr>
+          <p:style>
+            <a:lnRef idx="0">
+              <a:scrgbClr r="0" g="0" b="0"/>
+            </a:lnRef>
+            <a:fillRef idx="0">
+              <a:scrgbClr r="0" g="0" b="0"/>
+            </a:fillRef>
+            <a:effectRef idx="0">
+              <a:scrgbClr r="0" g="0" b="0"/>
+            </a:effectRef>
+            <a:fontRef idx="minor">
+              <a:schemeClr val="lt1"/>
+            </a:fontRef>
+          </p:style>
+          <p:txBody>
+            <a:bodyPr spcFirstLastPara="0" vert="horz" wrap="square" lIns="60960" tIns="60960" rIns="60960" bIns="60960" numCol="1" spcCol="1270" anchor="ctr" anchorCtr="0">
+              <a:noAutofit/>
+            </a:bodyPr>
+            <a:lstStyle/>
+            <a:p>
+              <a:pPr algn="ctr"/>
+              <a:r>
+                <a:rPr lang="en-US" altLang="zh-CN" sz="1600" dirty="0"/>
+                <a:t>User</a:t>
+              </a:r>
+              <a:endParaRPr lang="en-US" altLang="zh-CN" sz="1600" dirty="0" smtClean="0"/>
+            </a:p>
+          </p:txBody>
+        </p:sp>
+      </p:grpSp>
+      <p:sp>
+        <p:nvSpPr>
+          <p:cNvPr id="80" name="下箭头 79"/>
+          <p:cNvSpPr/>
+          <p:nvPr/>
+        </p:nvSpPr>
+        <p:spPr>
+          <a:xfrm>
+            <a:off x="1619801" y="2778477"/>
+            <a:ext cx="348343" cy="779364"/>
+          </a:xfrm>
+          <a:prstGeom prst="downArrow">
+            <a:avLst/>
+          </a:prstGeom>
+          <a:solidFill>
+            <a:srgbClr val="FFFF00"/>
+          </a:solidFill>
+        </p:spPr>
+        <p:style>
+          <a:lnRef idx="2">
+            <a:schemeClr val="accent1">
+              <a:shade val="50000"/>
+            </a:schemeClr>
+          </a:lnRef>
+          <a:fillRef idx="1">
+            <a:schemeClr val="accent1"/>
+          </a:fillRef>
+          <a:effectRef idx="0">
+            <a:schemeClr val="accent1"/>
+          </a:effectRef>
+          <a:fontRef idx="minor">
+            <a:schemeClr val="lt1"/>
+          </a:fontRef>
+        </p:style>
+        <p:txBody>
+          <a:bodyPr rtlCol="0" anchor="ctr"/>
+          <a:lstStyle/>
+          <a:p>
+            <a:pPr algn="ctr"/>
+            <a:endParaRPr lang="zh-CN" altLang="en-US"/>
+          </a:p>
+        </p:txBody>
+      </p:sp>
+      <p:sp>
+        <p:nvSpPr>
+          <p:cNvPr id="81" name="下箭头 80"/>
+          <p:cNvSpPr/>
+          <p:nvPr/>
+        </p:nvSpPr>
+        <p:spPr>
+          <a:xfrm>
+            <a:off x="1619801" y="1866518"/>
+            <a:ext cx="348343" cy="217969"/>
+          </a:xfrm>
+          <a:prstGeom prst="downArrow">
+            <a:avLst/>
+          </a:prstGeom>
+          <a:solidFill>
+            <a:srgbClr val="FFFF00"/>
+          </a:solidFill>
+        </p:spPr>
+        <p:style>
+          <a:lnRef idx="2">
+            <a:schemeClr val="accent1">
+              <a:shade val="50000"/>
+            </a:schemeClr>
+          </a:lnRef>
+          <a:fillRef idx="1">
+            <a:schemeClr val="accent1"/>
+          </a:fillRef>
+          <a:effectRef idx="0">
+            <a:schemeClr val="accent1"/>
+          </a:effectRef>
+          <a:fontRef idx="minor">
+            <a:schemeClr val="lt1"/>
+          </a:fontRef>
+        </p:style>
+        <p:txBody>
+          <a:bodyPr rtlCol="0" anchor="ctr"/>
+          <a:lstStyle/>
+          <a:p>
+            <a:pPr algn="ctr"/>
+            <a:endParaRPr lang="zh-CN" altLang="en-US"/>
+          </a:p>
+        </p:txBody>
+      </p:sp>
+      <p:sp>
+        <p:nvSpPr>
+          <p:cNvPr id="82" name="矩形 81"/>
+          <p:cNvSpPr/>
+          <p:nvPr/>
+        </p:nvSpPr>
+        <p:spPr>
+          <a:xfrm>
+            <a:off x="219644" y="1146536"/>
+            <a:ext cx="3307687" cy="1632990"/>
+          </a:xfrm>
+          <a:prstGeom prst="rect">
+            <a:avLst/>
+          </a:prstGeom>
+          <a:noFill/>
+          <a:ln w="38100">
+            <a:solidFill>
+              <a:schemeClr val="accent1"/>
+            </a:solidFill>
+            <a:prstDash val="sysDash"/>
+          </a:ln>
+        </p:spPr>
+        <p:style>
+          <a:lnRef idx="2">
+            <a:schemeClr val="accent1">
+              <a:shade val="50000"/>
+            </a:schemeClr>
+          </a:lnRef>
+          <a:fillRef idx="1">
+            <a:schemeClr val="accent1"/>
+          </a:fillRef>
+          <a:effectRef idx="0">
+            <a:schemeClr val="accent1"/>
+          </a:effectRef>
+          <a:fontRef idx="minor">
+            <a:schemeClr val="lt1"/>
+          </a:fontRef>
+        </p:style>
+        <p:txBody>
+          <a:bodyPr rtlCol="0" anchor="ctr"/>
+          <a:lstStyle/>
+          <a:p>
+            <a:pPr algn="ctr"/>
+            <a:endParaRPr lang="zh-CN" altLang="en-US"/>
+          </a:p>
+        </p:txBody>
+      </p:sp>
+      <p:grpSp>
+        <p:nvGrpSpPr>
+          <p:cNvPr id="83" name="组合 82"/>
+          <p:cNvGrpSpPr>
+            <a:grpSpLocks/>
+          </p:cNvGrpSpPr>
+          <p:nvPr/>
+        </p:nvGrpSpPr>
+        <p:grpSpPr>
+          <a:xfrm>
+            <a:off x="6755608" y="1413903"/>
+            <a:ext cx="5160225" cy="561600"/>
+            <a:chOff x="3802" y="3458003"/>
+            <a:chExt cx="3976687" cy="1501024"/>
+          </a:xfrm>
+        </p:grpSpPr>
+        <p:sp>
+          <p:nvSpPr>
+            <p:cNvPr id="84" name="圆角矩形 83"/>
+            <p:cNvSpPr/>
+            <p:nvPr/>
+          </p:nvSpPr>
+          <p:spPr>
+            <a:xfrm>
+              <a:off x="3802" y="3458003"/>
+              <a:ext cx="3976687" cy="1501024"/>
+            </a:xfrm>
+            <a:prstGeom prst="roundRect">
+              <a:avLst>
+                <a:gd name="adj" fmla="val 10000"/>
+              </a:avLst>
+            </a:prstGeom>
+          </p:spPr>
+          <p:style>
+            <a:lnRef idx="2">
+              <a:schemeClr val="lt1">
+                <a:hueOff val="0"/>
+                <a:satOff val="0"/>
+                <a:lumOff val="0"/>
+                <a:alphaOff val="0"/>
+              </a:schemeClr>
+            </a:lnRef>
+            <a:fillRef idx="1">
+              <a:schemeClr val="accent1">
+                <a:hueOff val="0"/>
+                <a:satOff val="0"/>
+                <a:lumOff val="0"/>
+                <a:alphaOff val="0"/>
+              </a:schemeClr>
+            </a:fillRef>
+            <a:effectRef idx="0">
+              <a:schemeClr val="accent1">
+                <a:hueOff val="0"/>
+                <a:satOff val="0"/>
+                <a:lumOff val="0"/>
+                <a:alphaOff val="0"/>
+              </a:schemeClr>
+            </a:effectRef>
+            <a:fontRef idx="minor">
+              <a:schemeClr val="lt1"/>
+            </a:fontRef>
+          </p:style>
+        </p:sp>
+        <p:sp>
+          <p:nvSpPr>
+            <p:cNvPr id="85" name="圆角矩形 4"/>
+            <p:cNvSpPr/>
+            <p:nvPr/>
+          </p:nvSpPr>
+          <p:spPr>
+            <a:xfrm>
+              <a:off x="47765" y="3714946"/>
+              <a:ext cx="3888761" cy="987137"/>
+            </a:xfrm>
+            <a:prstGeom prst="rect">
+              <a:avLst/>
+            </a:prstGeom>
+          </p:spPr>
+          <p:style>
+            <a:lnRef idx="0">
+              <a:scrgbClr r="0" g="0" b="0"/>
+            </a:lnRef>
+            <a:fillRef idx="0">
+              <a:scrgbClr r="0" g="0" b="0"/>
+            </a:fillRef>
+            <a:effectRef idx="0">
+              <a:scrgbClr r="0" g="0" b="0"/>
+            </a:effectRef>
+            <a:fontRef idx="minor">
+              <a:schemeClr val="lt1"/>
+            </a:fontRef>
+          </p:style>
+          <p:txBody>
+            <a:bodyPr spcFirstLastPara="0" vert="horz" wrap="square" lIns="0" tIns="60960" rIns="60960" bIns="60960" numCol="1" spcCol="1270" anchor="ctr" anchorCtr="0">
+              <a:noAutofit/>
+            </a:bodyPr>
+            <a:lstStyle/>
+            <a:p>
+              <a:pPr algn="ctr"/>
+              <a:r>
+                <a:rPr lang="en-US" altLang="zh-CN" sz="1600" dirty="0" smtClean="0"/>
+                <a:t>Permission Layer</a:t>
+              </a:r>
+            </a:p>
+          </p:txBody>
+        </p:sp>
+      </p:grpSp>
     </p:spTree>
     <p:extLst>
       <p:ext uri="{BB962C8B-B14F-4D97-AF65-F5344CB8AC3E}">
-        <p14:creationId xmlns:p14="http://schemas.microsoft.com/office/powerpoint/2010/main" val="75083754"/>
+        <p14:creationId xmlns:p14="http://schemas.microsoft.com/office/powerpoint/2010/main" val="2789012884"/>
       </p:ext>
     </p:extLst>
   </p:cSld>
   <p:clrMapOvr>
     <a:masterClrMapping/>
   </p:clrMapOvr>
+  <p:timing>
+    <p:tnLst>
+      <p:par>
+        <p:cTn id="1" dur="indefinite" restart="never" nodeType="tmRoot"/>
+      </p:par>
+    </p:tnLst>
+  </p:timing>
 </p:sld>
 </file>
 
@@ -5555,22 +7788,30 @@
           </a:lstStyle>
           <a:p>
             <a:r>
-              <a:rPr lang="zh-CN" altLang="en-US" dirty="0"/>
-              <a:t>前后端分离</a:t>
+              <a:rPr lang="zh-CN" altLang="en-US" dirty="0" smtClean="0"/>
+              <a:t>持续集成</a:t>
             </a:r>
+            <a:endParaRPr lang="en-US" altLang="zh-CN" dirty="0" smtClean="0"/>
           </a:p>
         </p:txBody>
       </p:sp>
     </p:spTree>
     <p:extLst>
       <p:ext uri="{BB962C8B-B14F-4D97-AF65-F5344CB8AC3E}">
-        <p14:creationId xmlns:p14="http://schemas.microsoft.com/office/powerpoint/2010/main" val="2789012884"/>
+        <p14:creationId xmlns:p14="http://schemas.microsoft.com/office/powerpoint/2010/main" val="75083754"/>
       </p:ext>
     </p:extLst>
   </p:cSld>
   <p:clrMapOvr>
     <a:masterClrMapping/>
   </p:clrMapOvr>
+  <p:timing>
+    <p:tnLst>
+      <p:par>
+        <p:cTn id="1" dur="indefinite" restart="never" nodeType="tmRoot"/>
+      </p:par>
+    </p:tnLst>
+  </p:timing>
 </p:sld>
 </file>
 
@@ -5650,6 +7891,13 @@
   <p:clrMapOvr>
     <a:masterClrMapping/>
   </p:clrMapOvr>
+  <p:timing>
+    <p:tnLst>
+      <p:par>
+        <p:cTn id="1" dur="indefinite" restart="never" nodeType="tmRoot"/>
+      </p:par>
+    </p:tnLst>
+  </p:timing>
 </p:sld>
 </file>
 
@@ -5732,6 +7980,13 @@
   <p:clrMapOvr>
     <a:masterClrMapping/>
   </p:clrMapOvr>
+  <p:timing>
+    <p:tnLst>
+      <p:par>
+        <p:cTn id="1" dur="indefinite" restart="never" nodeType="tmRoot"/>
+      </p:par>
+    </p:tnLst>
+  </p:timing>
 </p:sld>
 </file>
 
